--- a/Documents/Software Engineering Project PowerPoint.pptx
+++ b/Documents/Software Engineering Project PowerPoint.pptx
@@ -107,6 +107,11 @@
       </a:defRPr>
     </a:lvl9pPr>
   </p:defaultTextStyle>
+  <p:extLst>
+    <p:ext uri="{EFAFB233-063F-42B5-8137-9DF3F51BA10A}">
+      <p15:sldGuideLst xmlns:p15="http://schemas.microsoft.com/office/powerpoint/2012/main"/>
+    </p:ext>
+  </p:extLst>
 </p:presentation>
 </file>
 
@@ -293,7 +298,7 @@
           <a:p>
             <a:fld id="{F382425C-16DE-4B47-AC55-18171DE83706}" type="datetimeFigureOut">
               <a:rPr lang="en-US" smtClean="0"/>
-              <a:t>3/2/2018</a:t>
+              <a:t>3/8/2018</a:t>
             </a:fld>
             <a:endParaRPr lang="en-US"/>
           </a:p>
@@ -568,7 +573,7 @@
           <a:p>
             <a:fld id="{F382425C-16DE-4B47-AC55-18171DE83706}" type="datetimeFigureOut">
               <a:rPr lang="en-US" smtClean="0"/>
-              <a:t>3/2/2018</a:t>
+              <a:t>3/8/2018</a:t>
             </a:fld>
             <a:endParaRPr lang="en-US"/>
           </a:p>
@@ -762,7 +767,7 @@
           <a:p>
             <a:fld id="{F382425C-16DE-4B47-AC55-18171DE83706}" type="datetimeFigureOut">
               <a:rPr lang="en-US" smtClean="0"/>
-              <a:t>3/2/2018</a:t>
+              <a:t>3/8/2018</a:t>
             </a:fld>
             <a:endParaRPr lang="en-US"/>
           </a:p>
@@ -1030,7 +1035,7 @@
           <a:p>
             <a:fld id="{F382425C-16DE-4B47-AC55-18171DE83706}" type="datetimeFigureOut">
               <a:rPr lang="en-US" smtClean="0"/>
-              <a:t>3/2/2018</a:t>
+              <a:t>3/8/2018</a:t>
             </a:fld>
             <a:endParaRPr lang="en-US"/>
           </a:p>
@@ -1362,7 +1367,7 @@
           <a:p>
             <a:fld id="{F382425C-16DE-4B47-AC55-18171DE83706}" type="datetimeFigureOut">
               <a:rPr lang="en-US" smtClean="0"/>
-              <a:t>3/2/2018</a:t>
+              <a:t>3/8/2018</a:t>
             </a:fld>
             <a:endParaRPr lang="en-US"/>
           </a:p>
@@ -1972,7 +1977,7 @@
           <a:p>
             <a:fld id="{F382425C-16DE-4B47-AC55-18171DE83706}" type="datetimeFigureOut">
               <a:rPr lang="en-US" smtClean="0"/>
-              <a:t>3/2/2018</a:t>
+              <a:t>3/8/2018</a:t>
             </a:fld>
             <a:endParaRPr lang="en-US"/>
           </a:p>
@@ -2819,7 +2824,7 @@
           <a:p>
             <a:fld id="{F382425C-16DE-4B47-AC55-18171DE83706}" type="datetimeFigureOut">
               <a:rPr lang="en-US" smtClean="0"/>
-              <a:t>3/2/2018</a:t>
+              <a:t>3/8/2018</a:t>
             </a:fld>
             <a:endParaRPr lang="en-US"/>
           </a:p>
@@ -2989,7 +2994,7 @@
           <a:p>
             <a:fld id="{F382425C-16DE-4B47-AC55-18171DE83706}" type="datetimeFigureOut">
               <a:rPr lang="en-US" smtClean="0"/>
-              <a:t>3/2/2018</a:t>
+              <a:t>3/8/2018</a:t>
             </a:fld>
             <a:endParaRPr lang="en-US"/>
           </a:p>
@@ -3169,7 +3174,7 @@
           <a:p>
             <a:fld id="{F382425C-16DE-4B47-AC55-18171DE83706}" type="datetimeFigureOut">
               <a:rPr lang="en-US" smtClean="0"/>
-              <a:t>3/2/2018</a:t>
+              <a:t>3/8/2018</a:t>
             </a:fld>
             <a:endParaRPr lang="en-US"/>
           </a:p>
@@ -3339,7 +3344,7 @@
           <a:p>
             <a:fld id="{F382425C-16DE-4B47-AC55-18171DE83706}" type="datetimeFigureOut">
               <a:rPr lang="en-US" smtClean="0"/>
-              <a:t>3/2/2018</a:t>
+              <a:t>3/8/2018</a:t>
             </a:fld>
             <a:endParaRPr lang="en-US"/>
           </a:p>
@@ -3583,7 +3588,7 @@
           <a:p>
             <a:fld id="{F382425C-16DE-4B47-AC55-18171DE83706}" type="datetimeFigureOut">
               <a:rPr lang="en-US" smtClean="0"/>
-              <a:t>3/2/2018</a:t>
+              <a:t>3/8/2018</a:t>
             </a:fld>
             <a:endParaRPr lang="en-US"/>
           </a:p>
@@ -3875,7 +3880,7 @@
           <a:p>
             <a:fld id="{F382425C-16DE-4B47-AC55-18171DE83706}" type="datetimeFigureOut">
               <a:rPr lang="en-US" smtClean="0"/>
-              <a:t>3/2/2018</a:t>
+              <a:t>3/8/2018</a:t>
             </a:fld>
             <a:endParaRPr lang="en-US"/>
           </a:p>
@@ -4313,7 +4318,7 @@
           <a:p>
             <a:fld id="{F382425C-16DE-4B47-AC55-18171DE83706}" type="datetimeFigureOut">
               <a:rPr lang="en-US" smtClean="0"/>
-              <a:t>3/2/2018</a:t>
+              <a:t>3/8/2018</a:t>
             </a:fld>
             <a:endParaRPr lang="en-US"/>
           </a:p>
@@ -4431,7 +4436,7 @@
           <a:p>
             <a:fld id="{F382425C-16DE-4B47-AC55-18171DE83706}" type="datetimeFigureOut">
               <a:rPr lang="en-US" smtClean="0"/>
-              <a:t>3/2/2018</a:t>
+              <a:t>3/8/2018</a:t>
             </a:fld>
             <a:endParaRPr lang="en-US"/>
           </a:p>
@@ -4526,7 +4531,7 @@
           <a:p>
             <a:fld id="{F382425C-16DE-4B47-AC55-18171DE83706}" type="datetimeFigureOut">
               <a:rPr lang="en-US" smtClean="0"/>
-              <a:t>3/2/2018</a:t>
+              <a:t>3/8/2018</a:t>
             </a:fld>
             <a:endParaRPr lang="en-US"/>
           </a:p>
@@ -4805,7 +4810,7 @@
           <a:p>
             <a:fld id="{F382425C-16DE-4B47-AC55-18171DE83706}" type="datetimeFigureOut">
               <a:rPr lang="en-US" smtClean="0"/>
-              <a:t>3/2/2018</a:t>
+              <a:t>3/8/2018</a:t>
             </a:fld>
             <a:endParaRPr lang="en-US"/>
           </a:p>
@@ -5080,7 +5085,7 @@
           <a:p>
             <a:fld id="{F382425C-16DE-4B47-AC55-18171DE83706}" type="datetimeFigureOut">
               <a:rPr lang="en-US" smtClean="0"/>
-              <a:t>3/2/2018</a:t>
+              <a:t>3/8/2018</a:t>
             </a:fld>
             <a:endParaRPr lang="en-US"/>
           </a:p>
@@ -5509,7 +5514,7 @@
           <a:p>
             <a:fld id="{F382425C-16DE-4B47-AC55-18171DE83706}" type="datetimeFigureOut">
               <a:rPr lang="en-US" smtClean="0"/>
-              <a:t>3/2/2018</a:t>
+              <a:t>3/8/2018</a:t>
             </a:fld>
             <a:endParaRPr lang="en-US"/>
           </a:p>
@@ -6296,9 +6301,14 @@
           </a:p>
           <a:p>
             <a:r>
-              <a:rPr lang="en-US" dirty="0"/>
-              <a:t>Waterfall Model:</a:t>
-            </a:r>
+              <a:rPr lang="en-US"/>
+              <a:t>Waterfall </a:t>
+            </a:r>
+            <a:r>
+              <a:rPr lang="en-US" smtClean="0"/>
+              <a:t>Model</a:t>
+            </a:r>
+            <a:endParaRPr lang="en-US" dirty="0"/>
           </a:p>
           <a:p>
             <a:pPr marL="0" indent="0">
@@ -6403,7 +6413,23 @@
           <a:p>
             <a:r>
               <a:rPr lang="en-US" dirty="0"/>
-              <a:t>PHP :  server sized scripting for queries of the database</a:t>
+              <a:t>PHP :  server </a:t>
+            </a:r>
+            <a:r>
+              <a:rPr lang="en-US" dirty="0" smtClean="0"/>
+              <a:t>sid</a:t>
+            </a:r>
+            <a:r>
+              <a:rPr lang="en-US" dirty="0" smtClean="0"/>
+              <a:t>e </a:t>
+            </a:r>
+            <a:r>
+              <a:rPr lang="en-US" dirty="0" smtClean="0"/>
+              <a:t>scripting, dynamic webpages and </a:t>
+            </a:r>
+            <a:r>
+              <a:rPr lang="en-US" dirty="0"/>
+              <a:t>for queries of the database</a:t>
             </a:r>
           </a:p>
           <a:p>
@@ -6433,7 +6459,15 @@
           <a:p>
             <a:r>
               <a:rPr lang="en-US" dirty="0"/>
-              <a:t>HTML:  used for standard pages</a:t>
+              <a:t>HTML:  used for </a:t>
+            </a:r>
+            <a:r>
+              <a:rPr lang="en-US" dirty="0" smtClean="0"/>
+              <a:t>standard web </a:t>
+            </a:r>
+            <a:r>
+              <a:rPr lang="en-US" dirty="0"/>
+              <a:t>pages</a:t>
             </a:r>
           </a:p>
           <a:p>
